--- a/picture/3D.pptx
+++ b/picture/3D.pptx
@@ -104,6 +104,11 @@
       </a:defRPr>
     </a:lvl9pPr>
   </p:defaultTextStyle>
+  <p:extLst>
+    <p:ext uri="{EFAFB233-063F-42B5-8137-9DF3F51BA10A}">
+      <p15:sldGuideLst xmlns:p15="http://schemas.microsoft.com/office/powerpoint/2012/main"/>
+    </p:ext>
+  </p:extLst>
 </p:presentation>
 </file>
 
@@ -3323,10 +3328,10 @@
       </p:grpSpPr>
       <p:pic>
         <p:nvPicPr>
-          <p:cNvPr id="7" name="图片 6">
-            <a:extLst>
-              <a:ext uri="{FF2B5EF4-FFF2-40B4-BE49-F238E27FC236}">
-                <a16:creationId xmlns:a16="http://schemas.microsoft.com/office/drawing/2014/main" id="{8B2DE1C4-AD03-DD45-FC3D-A0BE0D835AE8}"/>
+          <p:cNvPr id="5" name="图形 4">
+            <a:extLst>
+              <a:ext uri="{FF2B5EF4-FFF2-40B4-BE49-F238E27FC236}">
+                <a16:creationId xmlns:a16="http://schemas.microsoft.com/office/drawing/2014/main" id="{DEEF7BDD-1C25-6A6A-930E-52689970DB00}"/>
               </a:ext>
             </a:extLst>
           </p:cNvPr>
@@ -3338,8 +3343,8 @@
         <p:blipFill>
           <a:blip r:embed="rId2">
             <a:extLst>
-              <a:ext uri="{28A0092B-C50C-407E-A947-70E740481C1C}">
-                <a14:useLocalDpi xmlns:a14="http://schemas.microsoft.com/office/drawing/2010/main" val="0"/>
+              <a:ext uri="{96DAC541-7B7A-43D3-8B79-37D633B846F1}">
+                <asvg:svgBlip xmlns:asvg="http://schemas.microsoft.com/office/drawing/2016/SVG/main" r:embed="rId3"/>
               </a:ext>
             </a:extLst>
           </a:blip>
@@ -3349,8 +3354,8 @@
         </p:blipFill>
         <p:spPr>
           <a:xfrm>
-            <a:off x="1445502" y="0"/>
-            <a:ext cx="9180165" cy="6885123"/>
+            <a:off x="1482189" y="0"/>
+            <a:ext cx="9211478" cy="6908609"/>
           </a:xfrm>
           <a:prstGeom prst="rect">
             <a:avLst/>
@@ -3372,14 +3377,14 @@
           <p:nvPr/>
         </p:nvPicPr>
         <p:blipFill>
-          <a:blip r:embed="rId3"/>
+          <a:blip r:embed="rId4"/>
           <a:stretch>
             <a:fillRect/>
           </a:stretch>
         </p:blipFill>
         <p:spPr>
           <a:xfrm>
-            <a:off x="10103110" y="136857"/>
+            <a:off x="9907167" y="83419"/>
             <a:ext cx="1286775" cy="2636984"/>
           </a:xfrm>
           <a:prstGeom prst="rect">
